--- a/WEEK8/GIT管理及LINUX命令.pptx
+++ b/WEEK8/GIT管理及LINUX命令.pptx
@@ -5944,7 +5944,7 @@
         <p:spPr>
           <a:xfrm>
             <a:off x="838200" y="1960245"/>
-            <a:ext cx="7860665" cy="4871085"/>
+            <a:ext cx="7825105" cy="4871085"/>
           </a:xfrm>
         </p:spPr>
         <p:txBody>
@@ -6194,7 +6194,39 @@
                 <a:ea typeface="仿宋" panose="02010609060101010101" charset="-122"/>
                 <a:sym typeface="+mn-ea"/>
               </a:rPr>
-              <a:t>的分支   </a:t>
+              <a:t>的分支 （创建分支完成，会把本地的</a:t>
+            </a:r>
+            <a:r>
+              <a:rPr lang="en-US" altLang="zh-CN" sz="2000">
+                <a:latin typeface="仿宋" panose="02010609060101010101" charset="-122"/>
+                <a:ea typeface="仿宋" panose="02010609060101010101" charset="-122"/>
+                <a:sym typeface="+mn-ea"/>
+              </a:rPr>
+              <a:t>master</a:t>
+            </a:r>
+            <a:r>
+              <a:rPr lang="zh-CN" altLang="en-US" sz="2000">
+                <a:latin typeface="仿宋" panose="02010609060101010101" charset="-122"/>
+                <a:ea typeface="仿宋" panose="02010609060101010101" charset="-122"/>
+                <a:sym typeface="+mn-ea"/>
+              </a:rPr>
+              <a:t>分支中的内容同步到</a:t>
+            </a:r>
+            <a:r>
+              <a:rPr lang="en-US" altLang="zh-CN" sz="2000">
+                <a:latin typeface="仿宋" panose="02010609060101010101" charset="-122"/>
+                <a:ea typeface="仿宋" panose="02010609060101010101" charset="-122"/>
+                <a:sym typeface="+mn-ea"/>
+              </a:rPr>
+              <a:t>dev</a:t>
+            </a:r>
+            <a:r>
+              <a:rPr lang="zh-CN" altLang="en-US" sz="2000">
+                <a:latin typeface="仿宋" panose="02010609060101010101" charset="-122"/>
+                <a:ea typeface="仿宋" panose="02010609060101010101" charset="-122"/>
+                <a:sym typeface="+mn-ea"/>
+              </a:rPr>
+              <a:t>分支上）  </a:t>
             </a:r>
             <a:endParaRPr lang="zh-CN" altLang="en-US" sz="2000">
               <a:latin typeface="仿宋" panose="02010609060101010101" charset="-122"/>
